--- a/과제3/과제3_배유진.pptx
+++ b/과제3/과제3_배유진.pptx
@@ -277,7 +277,7 @@
           <a:p>
             <a:fld id="{34C71315-7D73-4C68-A4D0-A9CF829740E1}" type="datetimeFigureOut">
               <a:rPr lang="ko-KR" altLang="en-US" smtClean="0"/>
-              <a:t>2020-11-06</a:t>
+              <a:t>2020-11-14</a:t>
             </a:fld>
             <a:endParaRPr lang="ko-KR" altLang="en-US"/>
           </a:p>
@@ -475,7 +475,7 @@
           <a:p>
             <a:fld id="{34C71315-7D73-4C68-A4D0-A9CF829740E1}" type="datetimeFigureOut">
               <a:rPr lang="ko-KR" altLang="en-US" smtClean="0"/>
-              <a:t>2020-11-06</a:t>
+              <a:t>2020-11-14</a:t>
             </a:fld>
             <a:endParaRPr lang="ko-KR" altLang="en-US"/>
           </a:p>
@@ -683,7 +683,7 @@
           <a:p>
             <a:fld id="{34C71315-7D73-4C68-A4D0-A9CF829740E1}" type="datetimeFigureOut">
               <a:rPr lang="ko-KR" altLang="en-US" smtClean="0"/>
-              <a:t>2020-11-06</a:t>
+              <a:t>2020-11-14</a:t>
             </a:fld>
             <a:endParaRPr lang="ko-KR" altLang="en-US"/>
           </a:p>
@@ -881,7 +881,7 @@
           <a:p>
             <a:fld id="{34C71315-7D73-4C68-A4D0-A9CF829740E1}" type="datetimeFigureOut">
               <a:rPr lang="ko-KR" altLang="en-US" smtClean="0"/>
-              <a:t>2020-11-06</a:t>
+              <a:t>2020-11-14</a:t>
             </a:fld>
             <a:endParaRPr lang="ko-KR" altLang="en-US"/>
           </a:p>
@@ -1156,7 +1156,7 @@
           <a:p>
             <a:fld id="{34C71315-7D73-4C68-A4D0-A9CF829740E1}" type="datetimeFigureOut">
               <a:rPr lang="ko-KR" altLang="en-US" smtClean="0"/>
-              <a:t>2020-11-06</a:t>
+              <a:t>2020-11-14</a:t>
             </a:fld>
             <a:endParaRPr lang="ko-KR" altLang="en-US"/>
           </a:p>
@@ -1421,7 +1421,7 @@
           <a:p>
             <a:fld id="{34C71315-7D73-4C68-A4D0-A9CF829740E1}" type="datetimeFigureOut">
               <a:rPr lang="ko-KR" altLang="en-US" smtClean="0"/>
-              <a:t>2020-11-06</a:t>
+              <a:t>2020-11-14</a:t>
             </a:fld>
             <a:endParaRPr lang="ko-KR" altLang="en-US"/>
           </a:p>
@@ -1833,7 +1833,7 @@
           <a:p>
             <a:fld id="{34C71315-7D73-4C68-A4D0-A9CF829740E1}" type="datetimeFigureOut">
               <a:rPr lang="ko-KR" altLang="en-US" smtClean="0"/>
-              <a:t>2020-11-06</a:t>
+              <a:t>2020-11-14</a:t>
             </a:fld>
             <a:endParaRPr lang="ko-KR" altLang="en-US"/>
           </a:p>
@@ -1974,7 +1974,7 @@
           <a:p>
             <a:fld id="{34C71315-7D73-4C68-A4D0-A9CF829740E1}" type="datetimeFigureOut">
               <a:rPr lang="ko-KR" altLang="en-US" smtClean="0"/>
-              <a:t>2020-11-06</a:t>
+              <a:t>2020-11-14</a:t>
             </a:fld>
             <a:endParaRPr lang="ko-KR" altLang="en-US"/>
           </a:p>
@@ -2087,7 +2087,7 @@
           <a:p>
             <a:fld id="{34C71315-7D73-4C68-A4D0-A9CF829740E1}" type="datetimeFigureOut">
               <a:rPr lang="ko-KR" altLang="en-US" smtClean="0"/>
-              <a:t>2020-11-06</a:t>
+              <a:t>2020-11-14</a:t>
             </a:fld>
             <a:endParaRPr lang="ko-KR" altLang="en-US"/>
           </a:p>
@@ -2398,7 +2398,7 @@
           <a:p>
             <a:fld id="{34C71315-7D73-4C68-A4D0-A9CF829740E1}" type="datetimeFigureOut">
               <a:rPr lang="ko-KR" altLang="en-US" smtClean="0"/>
-              <a:t>2020-11-06</a:t>
+              <a:t>2020-11-14</a:t>
             </a:fld>
             <a:endParaRPr lang="ko-KR" altLang="en-US"/>
           </a:p>
@@ -2686,7 +2686,7 @@
           <a:p>
             <a:fld id="{34C71315-7D73-4C68-A4D0-A9CF829740E1}" type="datetimeFigureOut">
               <a:rPr lang="ko-KR" altLang="en-US" smtClean="0"/>
-              <a:t>2020-11-06</a:t>
+              <a:t>2020-11-14</a:t>
             </a:fld>
             <a:endParaRPr lang="ko-KR" altLang="en-US"/>
           </a:p>
@@ -2927,7 +2927,7 @@
           <a:p>
             <a:fld id="{34C71315-7D73-4C68-A4D0-A9CF829740E1}" type="datetimeFigureOut">
               <a:rPr lang="ko-KR" altLang="en-US" smtClean="0"/>
-              <a:t>2020-11-06</a:t>
+              <a:t>2020-11-14</a:t>
             </a:fld>
             <a:endParaRPr lang="ko-KR" altLang="en-US"/>
           </a:p>
@@ -4013,7 +4013,7 @@
         </p:blipFill>
         <p:spPr>
           <a:xfrm>
-            <a:off x="5415697" y="4018755"/>
+            <a:off x="5415697" y="4028182"/>
             <a:ext cx="6219825" cy="2390775"/>
           </a:xfrm>
           <a:prstGeom prst="rect">
@@ -5275,11 +5275,11 @@
             </a:r>
             <a:r>
               <a:rPr lang="en-US" altLang="ko-KR" dirty="0"/>
-              <a:t>table</a:t>
-            </a:r>
-            <a:r>
-              <a:rPr lang="ko-KR" altLang="en-US" dirty="0"/>
-              <a:t>들을 보여주고</a:t>
+              <a:t>table </a:t>
+            </a:r>
+            <a:r>
+              <a:rPr lang="ko-KR" altLang="en-US" dirty="0"/>
+              <a:t>내용을 보여주고</a:t>
             </a:r>
             <a:r>
               <a:rPr lang="en-US" altLang="ko-KR" dirty="0"/>
@@ -7182,6 +7182,60 @@
           </a:prstGeom>
         </p:spPr>
       </p:pic>
+      <p:sp>
+        <p:nvSpPr>
+          <p:cNvPr id="2" name="직사각형 1">
+            <a:extLst>
+              <a:ext uri="{FF2B5EF4-FFF2-40B4-BE49-F238E27FC236}">
+                <a16:creationId xmlns:a16="http://schemas.microsoft.com/office/drawing/2014/main" id="{2B5BBD92-9532-4EF1-8ED5-A1B69885A7F7}"/>
+              </a:ext>
+            </a:extLst>
+          </p:cNvPr>
+          <p:cNvSpPr/>
+          <p:nvPr/>
+        </p:nvSpPr>
+        <p:spPr>
+          <a:xfrm>
+            <a:off x="3478491" y="1034585"/>
+            <a:ext cx="1074655" cy="266313"/>
+          </a:xfrm>
+          <a:prstGeom prst="rect">
+            <a:avLst/>
+          </a:prstGeom>
+          <a:solidFill>
+            <a:schemeClr val="bg1"/>
+          </a:solidFill>
+          <a:ln>
+            <a:solidFill>
+              <a:schemeClr val="bg1"/>
+            </a:solidFill>
+          </a:ln>
+        </p:spPr>
+        <p:style>
+          <a:lnRef idx="2">
+            <a:schemeClr val="accent1">
+              <a:shade val="50000"/>
+            </a:schemeClr>
+          </a:lnRef>
+          <a:fillRef idx="1">
+            <a:schemeClr val="accent1"/>
+          </a:fillRef>
+          <a:effectRef idx="0">
+            <a:schemeClr val="accent1"/>
+          </a:effectRef>
+          <a:fontRef idx="minor">
+            <a:schemeClr val="lt1"/>
+          </a:fontRef>
+        </p:style>
+        <p:txBody>
+          <a:bodyPr rtlCol="0" anchor="ctr"/>
+          <a:lstStyle/>
+          <a:p>
+            <a:pPr algn="ctr"/>
+            <a:endParaRPr lang="ko-KR" altLang="en-US"/>
+          </a:p>
+        </p:txBody>
+      </p:sp>
     </p:spTree>
     <p:extLst>
       <p:ext uri="{BB962C8B-B14F-4D97-AF65-F5344CB8AC3E}">
